--- a/doc/ClassIntro_web.pptx
+++ b/doc/ClassIntro_web.pptx
@@ -329,7 +329,7 @@
   <pc:docChgLst>
     <pc:chgData name="卜磊" userId="b5f26d64-c056-4d23-adbc-23ae7424aba9" providerId="ADAL" clId="{7699EF6B-DC24-2143-8353-5713CF7EE30E}"/>
     <pc:docChg chg="custSel modSld">
-      <pc:chgData name="卜磊" userId="b5f26d64-c056-4d23-adbc-23ae7424aba9" providerId="ADAL" clId="{7699EF6B-DC24-2143-8353-5713CF7EE30E}" dt="2023-09-04T16:06:14.336" v="29" actId="27636"/>
+      <pc:chgData name="卜磊" userId="b5f26d64-c056-4d23-adbc-23ae7424aba9" providerId="ADAL" clId="{7699EF6B-DC24-2143-8353-5713CF7EE30E}" dt="2023-09-05T10:27:39.857" v="31" actId="27636"/>
       <pc:docMkLst>
         <pc:docMk/>
       </pc:docMkLst>
@@ -344,6 +344,21 @@
           <ac:spMkLst>
             <pc:docMk/>
             <pc:sldMk cId="833080365" sldId="256"/>
+            <ac:spMk id="3" creationId="{00000000-0000-0000-0000-000000000000}"/>
+          </ac:spMkLst>
+        </pc:spChg>
+      </pc:sldChg>
+      <pc:sldChg chg="modSp mod">
+        <pc:chgData name="卜磊" userId="b5f26d64-c056-4d23-adbc-23ae7424aba9" providerId="ADAL" clId="{7699EF6B-DC24-2143-8353-5713CF7EE30E}" dt="2023-09-05T10:27:39.857" v="31" actId="27636"/>
+        <pc:sldMkLst>
+          <pc:docMk/>
+          <pc:sldMk cId="3066885629" sldId="265"/>
+        </pc:sldMkLst>
+        <pc:spChg chg="mod">
+          <ac:chgData name="卜磊" userId="b5f26d64-c056-4d23-adbc-23ae7424aba9" providerId="ADAL" clId="{7699EF6B-DC24-2143-8353-5713CF7EE30E}" dt="2023-09-05T10:27:39.857" v="31" actId="27636"/>
+          <ac:spMkLst>
+            <pc:docMk/>
+            <pc:sldMk cId="3066885629" sldId="265"/>
             <ac:spMk id="3" creationId="{00000000-0000-0000-0000-000000000000}"/>
           </ac:spMkLst>
         </pc:spChg>
@@ -866,7 +881,7 @@
           <a:ln/>
           <a:extLst>
             <a:ext uri="{FAA26D3D-D897-4be2-8F04-BA451C77F1D7}">
-              <ma14:placeholderFlag xmlns="" xmlns:ma14="http://schemas.microsoft.com/office/mac/drawingml/2011/main" val="1"/>
+              <ma14:placeholderFlag xmlns:ma14="http://schemas.microsoft.com/office/mac/drawingml/2011/main" xmlns="" val="1"/>
             </a:ext>
           </a:extLst>
         </p:spPr>
@@ -960,7 +975,7 @@
           <a:ln/>
           <a:extLst>
             <a:ext uri="{FAA26D3D-D897-4be2-8F04-BA451C77F1D7}">
-              <ma14:placeholderFlag xmlns="" xmlns:ma14="http://schemas.microsoft.com/office/mac/drawingml/2011/main" val="1"/>
+              <ma14:placeholderFlag xmlns:ma14="http://schemas.microsoft.com/office/mac/drawingml/2011/main" xmlns="" val="1"/>
             </a:ext>
           </a:extLst>
         </p:spPr>
@@ -1054,7 +1069,7 @@
           <a:ln/>
           <a:extLst>
             <a:ext uri="{FAA26D3D-D897-4be2-8F04-BA451C77F1D7}">
-              <ma14:placeholderFlag xmlns="" xmlns:ma14="http://schemas.microsoft.com/office/mac/drawingml/2011/main" val="1"/>
+              <ma14:placeholderFlag xmlns:ma14="http://schemas.microsoft.com/office/mac/drawingml/2011/main" xmlns="" val="1"/>
             </a:ext>
           </a:extLst>
         </p:spPr>
@@ -1148,7 +1163,7 @@
           <a:ln/>
           <a:extLst>
             <a:ext uri="{FAA26D3D-D897-4be2-8F04-BA451C77F1D7}">
-              <ma14:placeholderFlag xmlns="" xmlns:ma14="http://schemas.microsoft.com/office/mac/drawingml/2011/main" val="1"/>
+              <ma14:placeholderFlag xmlns:ma14="http://schemas.microsoft.com/office/mac/drawingml/2011/main" xmlns="" val="1"/>
             </a:ext>
           </a:extLst>
         </p:spPr>
@@ -1229,7 +1244,7 @@
           </a:ln>
           <a:extLst>
             <a:ext uri="{909E8E84-426E-40dd-AFC4-6F175D3DCCD1}">
-              <a14:hiddenFill xmlns="" xmlns:a14="http://schemas.microsoft.com/office/drawing/2010/main">
+              <a14:hiddenFill xmlns:a14="http://schemas.microsoft.com/office/drawing/2010/main" xmlns="">
                 <a:solidFill>
                   <a:srgbClr val="FFFFFF"/>
                 </a:solidFill>
@@ -1284,7 +1299,7 @@
           </a:ln>
           <a:extLst>
             <a:ext uri="{91240B29-F687-4f45-9708-019B960494DF}">
-              <a14:hiddenLine xmlns="" xmlns:a14="http://schemas.microsoft.com/office/drawing/2010/main" w="9525">
+              <a14:hiddenLine xmlns:a14="http://schemas.microsoft.com/office/drawing/2010/main" xmlns="" w="9525">
                 <a:solidFill>
                   <a:srgbClr val="000000"/>
                 </a:solidFill>
@@ -1349,7 +1364,7 @@
           </a:ln>
           <a:extLst>
             <a:ext uri="{91240B29-F687-4f45-9708-019B960494DF}">
-              <a14:hiddenLine xmlns="" xmlns:a14="http://schemas.microsoft.com/office/drawing/2010/main" w="9525">
+              <a14:hiddenLine xmlns:a14="http://schemas.microsoft.com/office/drawing/2010/main" xmlns="" w="9525">
                 <a:solidFill>
                   <a:srgbClr val="000000"/>
                 </a:solidFill>
@@ -1417,14 +1432,14 @@
           </a:ln>
           <a:extLst>
             <a:ext uri="{909E8E84-426E-40dd-AFC4-6F175D3DCCD1}">
-              <a14:hiddenFill xmlns="" xmlns:a14="http://schemas.microsoft.com/office/drawing/2010/main">
+              <a14:hiddenFill xmlns:a14="http://schemas.microsoft.com/office/drawing/2010/main" xmlns="">
                 <a:solidFill>
                   <a:srgbClr val="FFFFFF"/>
                 </a:solidFill>
               </a14:hiddenFill>
             </a:ext>
             <a:ext uri="{91240B29-F687-4f45-9708-019B960494DF}">
-              <a14:hiddenLine xmlns="" xmlns:a14="http://schemas.microsoft.com/office/drawing/2010/main" w="9525">
+              <a14:hiddenLine xmlns:a14="http://schemas.microsoft.com/office/drawing/2010/main" xmlns="" w="9525">
                 <a:solidFill>
                   <a:srgbClr val="000000"/>
                 </a:solidFill>
@@ -1471,14 +1486,14 @@
           </a:ln>
           <a:extLst>
             <a:ext uri="{909E8E84-426E-40dd-AFC4-6F175D3DCCD1}">
-              <a14:hiddenFill xmlns="" xmlns:a14="http://schemas.microsoft.com/office/drawing/2010/main">
+              <a14:hiddenFill xmlns:a14="http://schemas.microsoft.com/office/drawing/2010/main" xmlns="">
                 <a:solidFill>
                   <a:srgbClr val="FFFFFF"/>
                 </a:solidFill>
               </a14:hiddenFill>
             </a:ext>
             <a:ext uri="{91240B29-F687-4f45-9708-019B960494DF}">
-              <a14:hiddenLine xmlns="" xmlns:a14="http://schemas.microsoft.com/office/drawing/2010/main" w="9525">
+              <a14:hiddenLine xmlns:a14="http://schemas.microsoft.com/office/drawing/2010/main" xmlns="" w="9525">
                 <a:solidFill>
                   <a:srgbClr val="000000"/>
                 </a:solidFill>
@@ -1525,14 +1540,14 @@
           </a:ln>
           <a:extLst>
             <a:ext uri="{909E8E84-426E-40dd-AFC4-6F175D3DCCD1}">
-              <a14:hiddenFill xmlns="" xmlns:a14="http://schemas.microsoft.com/office/drawing/2010/main">
+              <a14:hiddenFill xmlns:a14="http://schemas.microsoft.com/office/drawing/2010/main" xmlns="">
                 <a:solidFill>
                   <a:srgbClr val="FFFFFF"/>
                 </a:solidFill>
               </a14:hiddenFill>
             </a:ext>
             <a:ext uri="{91240B29-F687-4f45-9708-019B960494DF}">
-              <a14:hiddenLine xmlns="" xmlns:a14="http://schemas.microsoft.com/office/drawing/2010/main" w="9525">
+              <a14:hiddenLine xmlns:a14="http://schemas.microsoft.com/office/drawing/2010/main" xmlns="" w="9525">
                 <a:solidFill>
                   <a:srgbClr val="000000"/>
                 </a:solidFill>
@@ -1579,14 +1594,14 @@
           </a:ln>
           <a:extLst>
             <a:ext uri="{909E8E84-426E-40dd-AFC4-6F175D3DCCD1}">
-              <a14:hiddenFill xmlns="" xmlns:a14="http://schemas.microsoft.com/office/drawing/2010/main">
+              <a14:hiddenFill xmlns:a14="http://schemas.microsoft.com/office/drawing/2010/main" xmlns="">
                 <a:solidFill>
                   <a:srgbClr val="FFFFFF"/>
                 </a:solidFill>
               </a14:hiddenFill>
             </a:ext>
             <a:ext uri="{91240B29-F687-4f45-9708-019B960494DF}">
-              <a14:hiddenLine xmlns="" xmlns:a14="http://schemas.microsoft.com/office/drawing/2010/main" w="9525">
+              <a14:hiddenLine xmlns:a14="http://schemas.microsoft.com/office/drawing/2010/main" xmlns="" w="9525">
                 <a:solidFill>
                   <a:srgbClr val="000000"/>
                 </a:solidFill>
@@ -3224,7 +3239,7 @@
           </a:ln>
           <a:extLst>
             <a:ext uri="{91240B29-F687-4f45-9708-019B960494DF}">
-              <a14:hiddenLine xmlns="" xmlns:a14="http://schemas.microsoft.com/office/drawing/2010/main" w="9525">
+              <a14:hiddenLine xmlns:a14="http://schemas.microsoft.com/office/drawing/2010/main" xmlns="" w="9525">
                 <a:solidFill>
                   <a:srgbClr val="000000"/>
                 </a:solidFill>
@@ -3289,7 +3304,7 @@
           </a:ln>
           <a:extLst>
             <a:ext uri="{91240B29-F687-4f45-9708-019B960494DF}">
-              <a14:hiddenLine xmlns="" xmlns:a14="http://schemas.microsoft.com/office/drawing/2010/main" w="9525">
+              <a14:hiddenLine xmlns:a14="http://schemas.microsoft.com/office/drawing/2010/main" xmlns="" w="9525">
                 <a:solidFill>
                   <a:srgbClr val="000000"/>
                 </a:solidFill>
@@ -3346,17 +3361,17 @@
           </a:ln>
           <a:extLst>
             <a:ext uri="{FAA26D3D-D897-4be2-8F04-BA451C77F1D7}">
-              <ma14:placeholderFlag xmlns="" xmlns:ma14="http://schemas.microsoft.com/office/mac/drawingml/2011/main" val="1"/>
+              <ma14:placeholderFlag xmlns:ma14="http://schemas.microsoft.com/office/mac/drawingml/2011/main" xmlns="" val="1"/>
             </a:ext>
             <a:ext uri="{909E8E84-426E-40dd-AFC4-6F175D3DCCD1}">
-              <a14:hiddenFill xmlns="" xmlns:a14="http://schemas.microsoft.com/office/drawing/2010/main">
+              <a14:hiddenFill xmlns:a14="http://schemas.microsoft.com/office/drawing/2010/main" xmlns="">
                 <a:solidFill>
                   <a:srgbClr val="FFFFFF"/>
                 </a:solidFill>
               </a14:hiddenFill>
             </a:ext>
             <a:ext uri="{91240B29-F687-4f45-9708-019B960494DF}">
-              <a14:hiddenLine xmlns="" xmlns:a14="http://schemas.microsoft.com/office/drawing/2010/main" w="9525">
+              <a14:hiddenLine xmlns:a14="http://schemas.microsoft.com/office/drawing/2010/main" xmlns="" w="9525">
                 <a:solidFill>
                   <a:srgbClr val="000000"/>
                 </a:solidFill>
@@ -3407,17 +3422,17 @@
           </a:ln>
           <a:extLst>
             <a:ext uri="{FAA26D3D-D897-4be2-8F04-BA451C77F1D7}">
-              <ma14:placeholderFlag xmlns="" xmlns:ma14="http://schemas.microsoft.com/office/mac/drawingml/2011/main" val="1"/>
+              <ma14:placeholderFlag xmlns:ma14="http://schemas.microsoft.com/office/mac/drawingml/2011/main" xmlns="" val="1"/>
             </a:ext>
             <a:ext uri="{909E8E84-426E-40dd-AFC4-6F175D3DCCD1}">
-              <a14:hiddenFill xmlns="" xmlns:a14="http://schemas.microsoft.com/office/drawing/2010/main">
+              <a14:hiddenFill xmlns:a14="http://schemas.microsoft.com/office/drawing/2010/main" xmlns="">
                 <a:solidFill>
                   <a:srgbClr val="FFFFFF"/>
                 </a:solidFill>
               </a14:hiddenFill>
             </a:ext>
             <a:ext uri="{91240B29-F687-4f45-9708-019B960494DF}">
-              <a14:hiddenLine xmlns="" xmlns:a14="http://schemas.microsoft.com/office/drawing/2010/main" w="9525">
+              <a14:hiddenLine xmlns:a14="http://schemas.microsoft.com/office/drawing/2010/main" xmlns="" w="9525">
                 <a:solidFill>
                   <a:srgbClr val="000000"/>
                 </a:solidFill>
@@ -3507,14 +3522,14 @@
           </a:ln>
           <a:extLst>
             <a:ext uri="{909E8E84-426E-40dd-AFC4-6F175D3DCCD1}">
-              <a14:hiddenFill xmlns="" xmlns:a14="http://schemas.microsoft.com/office/drawing/2010/main">
+              <a14:hiddenFill xmlns:a14="http://schemas.microsoft.com/office/drawing/2010/main" xmlns="">
                 <a:solidFill>
                   <a:srgbClr val="FFFFFF"/>
                 </a:solidFill>
               </a14:hiddenFill>
             </a:ext>
             <a:ext uri="{91240B29-F687-4f45-9708-019B960494DF}">
-              <a14:hiddenLine xmlns="" xmlns:a14="http://schemas.microsoft.com/office/drawing/2010/main" w="9525">
+              <a14:hiddenLine xmlns:a14="http://schemas.microsoft.com/office/drawing/2010/main" xmlns="" w="9525">
                 <a:solidFill>
                   <a:srgbClr val="000000"/>
                 </a:solidFill>
@@ -3561,14 +3576,14 @@
           </a:ln>
           <a:extLst>
             <a:ext uri="{909E8E84-426E-40dd-AFC4-6F175D3DCCD1}">
-              <a14:hiddenFill xmlns="" xmlns:a14="http://schemas.microsoft.com/office/drawing/2010/main">
+              <a14:hiddenFill xmlns:a14="http://schemas.microsoft.com/office/drawing/2010/main" xmlns="">
                 <a:solidFill>
                   <a:srgbClr val="FFFFFF"/>
                 </a:solidFill>
               </a14:hiddenFill>
             </a:ext>
             <a:ext uri="{91240B29-F687-4f45-9708-019B960494DF}">
-              <a14:hiddenLine xmlns="" xmlns:a14="http://schemas.microsoft.com/office/drawing/2010/main" w="9525">
+              <a14:hiddenLine xmlns:a14="http://schemas.microsoft.com/office/drawing/2010/main" xmlns="" w="9525">
                 <a:solidFill>
                   <a:srgbClr val="000000"/>
                 </a:solidFill>
@@ -3615,14 +3630,14 @@
           </a:ln>
           <a:extLst>
             <a:ext uri="{909E8E84-426E-40dd-AFC4-6F175D3DCCD1}">
-              <a14:hiddenFill xmlns="" xmlns:a14="http://schemas.microsoft.com/office/drawing/2010/main">
+              <a14:hiddenFill xmlns:a14="http://schemas.microsoft.com/office/drawing/2010/main" xmlns="">
                 <a:solidFill>
                   <a:srgbClr val="FFFFFF"/>
                 </a:solidFill>
               </a14:hiddenFill>
             </a:ext>
             <a:ext uri="{91240B29-F687-4f45-9708-019B960494DF}">
-              <a14:hiddenLine xmlns="" xmlns:a14="http://schemas.microsoft.com/office/drawing/2010/main" w="9525">
+              <a14:hiddenLine xmlns:a14="http://schemas.microsoft.com/office/drawing/2010/main" xmlns="" w="9525">
                 <a:solidFill>
                   <a:srgbClr val="000000"/>
                 </a:solidFill>
@@ -4662,14 +4677,14 @@
           <a:effectLst/>
           <a:extLst>
             <a:ext uri="{909E8E84-426E-40dd-AFC4-6F175D3DCCD1}">
-              <a14:hiddenFill xmlns="" xmlns:a14="http://schemas.microsoft.com/office/drawing/2010/main">
+              <a14:hiddenFill xmlns:a14="http://schemas.microsoft.com/office/drawing/2010/main" xmlns="">
                 <a:solidFill>
                   <a:srgbClr val="FFFFFF"/>
                 </a:solidFill>
               </a14:hiddenFill>
             </a:ext>
             <a:ext uri="{91240B29-F687-4f45-9708-019B960494DF}">
-              <a14:hiddenLine xmlns="" xmlns:a14="http://schemas.microsoft.com/office/drawing/2010/main" w="9525">
+              <a14:hiddenLine xmlns:a14="http://schemas.microsoft.com/office/drawing/2010/main" xmlns="" w="9525">
                 <a:solidFill>
                   <a:schemeClr val="tx1"/>
                 </a:solidFill>
@@ -4679,7 +4694,7 @@
               </a14:hiddenLine>
             </a:ext>
             <a:ext uri="{AF507438-7753-43e0-B8FC-AC1667EBCBE1}">
-              <a14:hiddenEffects xmlns="" xmlns:a14="http://schemas.microsoft.com/office/drawing/2010/main">
+              <a14:hiddenEffects xmlns:a14="http://schemas.microsoft.com/office/drawing/2010/main" xmlns="">
                 <a:effectLst>
                   <a:outerShdw blurRad="63500" dist="38099" dir="2700000" algn="ctr" rotWithShape="0">
                     <a:schemeClr val="bg2">
@@ -6455,7 +6470,7 @@
         <p:spPr/>
         <p:txBody>
           <a:bodyPr>
-            <a:normAutofit fontScale="85000" lnSpcReduction="20000"/>
+            <a:normAutofit fontScale="92500" lnSpcReduction="10000"/>
           </a:bodyPr>
           <a:lstStyle/>
           <a:p>
@@ -6566,36 +6581,6 @@
           </a:p>
           <a:p>
             <a:pPr lvl="1"/>
-            <a:endParaRPr lang="en-US" dirty="0"/>
-          </a:p>
-          <a:p>
-            <a:r>
-              <a:rPr lang="en-US" dirty="0"/>
-              <a:t>WEB</a:t>
-            </a:r>
-          </a:p>
-          <a:p>
-            <a:pPr lvl="1"/>
-            <a:r>
-              <a:rPr lang="en-US" altLang="zh-CN" dirty="0"/>
-              <a:t>http://</a:t>
-            </a:r>
-            <a:r>
-              <a:rPr lang="en-US" altLang="zh-CN" dirty="0" err="1"/>
-              <a:t>cs.nju.edu.cn</a:t>
-            </a:r>
-            <a:r>
-              <a:rPr lang="en-US" altLang="zh-CN" dirty="0"/>
-              <a:t>/</a:t>
-            </a:r>
-            <a:r>
-              <a:rPr lang="en-US" altLang="zh-CN" dirty="0" err="1"/>
-              <a:t>bulei</a:t>
-            </a:r>
-            <a:r>
-              <a:rPr lang="en-US" altLang="zh-CN" dirty="0"/>
-              <a:t>/FLA22.html</a:t>
-            </a:r>
             <a:endParaRPr lang="en-US" dirty="0"/>
           </a:p>
         </p:txBody>
